--- a/docs/mapeamento de tela.pptx
+++ b/docs/mapeamento de tela.pptx
@@ -3658,7 +3658,7 @@
             <a:pPr algn="ctr"/>
             <a:r>
               <a:rPr lang="en-US" dirty="0" smtClean="0"/>
-              <a:t>T6</a:t>
+              <a:t>T4</a:t>
             </a:r>
             <a:endParaRPr lang="pt-BR" dirty="0"/>
           </a:p>
@@ -3702,7 +3702,7 @@
             <a:pPr algn="ctr"/>
             <a:r>
               <a:rPr lang="en-US" dirty="0" smtClean="0"/>
-              <a:t>T7</a:t>
+              <a:t>T5</a:t>
             </a:r>
             <a:endParaRPr lang="pt-BR" dirty="0"/>
           </a:p>
@@ -4260,7 +4260,7 @@
             <a:pPr algn="ctr"/>
             <a:r>
               <a:rPr lang="en-US" dirty="0" smtClean="0"/>
-              <a:t>T8</a:t>
+              <a:t>T6</a:t>
             </a:r>
             <a:endParaRPr lang="pt-BR" dirty="0"/>
           </a:p>
@@ -6533,8 +6533,9 @@
               <a:pPr algn="ctr"/>
               <a:r>
                 <a:rPr lang="en-US" dirty="0" smtClean="0"/>
-                <a:t>T3.1</a:t>
+                <a:t>T3</a:t>
               </a:r>
+              <a:endParaRPr lang="en-US" dirty="0"/>
             </a:p>
           </p:txBody>
         </p:sp>
